--- a/instalily_sales_agent.pptx
+++ b/instalily_sales_agent.pptx
@@ -11111,48 +11111,6 @@
       </p:sp>
       <p:sp>
         <p:nvSpPr>
-          <p:cNvPr id="26" name="TextBox 25">
-            <a:extLst>
-              <a:ext uri="{FF2B5EF4-FFF2-40B4-BE49-F238E27FC236}">
-                <a16:creationId xmlns:a16="http://schemas.microsoft.com/office/drawing/2014/main" id="{0248BF84-9A68-5441-6B74-87D498EA5570}"/>
-              </a:ext>
-            </a:extLst>
-          </p:cNvPr>
-          <p:cNvSpPr txBox="1"/>
-          <p:nvPr/>
-        </p:nvSpPr>
-        <p:spPr>
-          <a:xfrm>
-            <a:off x="609600" y="3480541"/>
-            <a:ext cx="9144000" cy="358496"/>
-          </a:xfrm>
-          <a:prstGeom prst="rect">
-            <a:avLst/>
-          </a:prstGeom>
-          <a:noFill/>
-        </p:spPr>
-        <p:txBody>
-          <a:bodyPr wrap="square">
-            <a:spAutoFit/>
-          </a:bodyPr>
-          <a:lstStyle/>
-          <a:p>
-            <a:pPr>
-              <a:lnSpc>
-                <a:spcPts val="1500"/>
-              </a:lnSpc>
-            </a:pPr>
-            <a:r>
-              <a:rPr lang="en-US" sz="3200" b="1" dirty="0">
-                <a:effectLst/>
-              </a:rPr>
-              <a:t>Click on this Link to use the app - </a:t>
-            </a:r>
-          </a:p>
-        </p:txBody>
-      </p:sp>
-      <p:sp>
-        <p:nvSpPr>
           <p:cNvPr id="14" name="TextBox 13">
             <a:extLst>
               <a:ext uri="{FF2B5EF4-FFF2-40B4-BE49-F238E27FC236}">
@@ -11165,7 +11123,7 @@
         </p:nvSpPr>
         <p:spPr>
           <a:xfrm>
-            <a:off x="609600" y="5053087"/>
+            <a:off x="609600" y="5726357"/>
             <a:ext cx="9144000" cy="1569660"/>
           </a:xfrm>
           <a:prstGeom prst="rect">
@@ -11181,15 +11139,7 @@
           <a:p>
             <a:r>
               <a:rPr lang="en-US" sz="3200" b="1" dirty="0"/>
-              <a:t>Screen Recording of the </a:t>
-            </a:r>
-            <a:r>
-              <a:rPr lang="en-US" sz="3200" b="1"/>
-              <a:t>working of </a:t>
-            </a:r>
-            <a:r>
-              <a:rPr lang="en-US" sz="3200" b="1" dirty="0"/>
-              <a:t>the app –</a:t>
+              <a:t>Screen Recording of the working of the app –</a:t>
             </a:r>
           </a:p>
           <a:p>
@@ -11202,6 +11152,59 @@
             <a:r>
               <a:rPr lang="en-US" sz="3200" dirty="0"/>
               <a:t> </a:t>
+            </a:r>
+          </a:p>
+        </p:txBody>
+      </p:sp>
+      <p:sp>
+        <p:nvSpPr>
+          <p:cNvPr id="13" name="TextBox 12">
+            <a:extLst>
+              <a:ext uri="{FF2B5EF4-FFF2-40B4-BE49-F238E27FC236}">
+                <a16:creationId xmlns:a16="http://schemas.microsoft.com/office/drawing/2014/main" id="{7209ED28-8766-F32A-43B2-B908EBF92D50}"/>
+              </a:ext>
+            </a:extLst>
+          </p:cNvPr>
+          <p:cNvSpPr txBox="1"/>
+          <p:nvPr/>
+        </p:nvSpPr>
+        <p:spPr>
+          <a:xfrm>
+            <a:off x="609600" y="3390900"/>
+            <a:ext cx="9144000" cy="1269578"/>
+          </a:xfrm>
+          <a:prstGeom prst="rect">
+            <a:avLst/>
+          </a:prstGeom>
+          <a:noFill/>
+        </p:spPr>
+        <p:txBody>
+          <a:bodyPr wrap="square">
+            <a:spAutoFit/>
+          </a:bodyPr>
+          <a:lstStyle/>
+          <a:p>
+            <a:pPr>
+              <a:lnSpc>
+                <a:spcPts val="1500"/>
+              </a:lnSpc>
+            </a:pPr>
+            <a:r>
+              <a:rPr lang="en-US" sz="3200" b="1" dirty="0">
+                <a:effectLst/>
+              </a:rPr>
+              <a:t>Click on this Link to use the app –</a:t>
+            </a:r>
+            <a:endParaRPr lang="en-US" sz="3200" dirty="0">
+              <a:hlinkClick r:id="rId4"/>
+            </a:endParaRPr>
+          </a:p>
+          <a:p>
+            <a:r>
+              <a:rPr lang="en-US" sz="3200" dirty="0">
+                <a:hlinkClick r:id="rId4"/>
+              </a:rPr>
+              <a:t>https://instalilysalesagent-gss2mnrf5a2itevwquqten.streamlit.app/</a:t>
             </a:r>
           </a:p>
         </p:txBody>

--- a/instalily_sales_agent.pptx
+++ b/instalily_sales_agent.pptx
@@ -6149,14 +6149,14 @@
         <p:spPr>
           <a:xfrm>
             <a:off x="839945" y="562269"/>
-            <a:ext cx="12861797" cy="984885"/>
+            <a:ext cx="14175199" cy="974626"/>
           </a:xfrm>
           <a:prstGeom prst="rect">
             <a:avLst/>
           </a:prstGeom>
         </p:spPr>
         <p:txBody>
-          <a:bodyPr lIns="0" tIns="0" rIns="0" bIns="0" rtlCol="0" anchor="t">
+          <a:bodyPr wrap="square" lIns="0" tIns="0" rIns="0" bIns="0" rtlCol="0" anchor="t">
             <a:spAutoFit/>
           </a:bodyPr>
           <a:lstStyle/>
@@ -6167,7 +6167,7 @@
               </a:lnSpc>
             </a:pPr>
             <a:r>
-              <a:rPr lang="en-US" sz="7200" b="1">
+              <a:rPr lang="en-US" sz="7200" b="1" dirty="0">
                 <a:solidFill>
                   <a:srgbClr val="17726D"/>
                 </a:solidFill>
@@ -6176,7 +6176,7 @@
                 <a:cs typeface="Inter Bold"/>
                 <a:sym typeface="Inter Bold"/>
               </a:rPr>
-              <a:t>SALES AGENT WORKFLOW </a:t>
+              <a:t>AI SALES AGENT WORKFLOW </a:t>
             </a:r>
           </a:p>
         </p:txBody>
@@ -6189,15 +6189,15 @@
         </p:nvSpPr>
         <p:spPr>
           <a:xfrm>
-            <a:off x="839945" y="1518579"/>
-            <a:ext cx="6818840" cy="396240"/>
+            <a:off x="839944" y="1518579"/>
+            <a:ext cx="7669473" cy="406458"/>
           </a:xfrm>
           <a:prstGeom prst="rect">
             <a:avLst/>
           </a:prstGeom>
         </p:spPr>
         <p:txBody>
-          <a:bodyPr lIns="0" tIns="0" rIns="0" bIns="0" rtlCol="0" anchor="t">
+          <a:bodyPr wrap="square" lIns="0" tIns="0" rIns="0" bIns="0" rtlCol="0" anchor="t">
             <a:spAutoFit/>
           </a:bodyPr>
           <a:lstStyle/>
@@ -6208,7 +6208,7 @@
               </a:lnSpc>
             </a:pPr>
             <a:r>
-              <a:rPr lang="en-US" sz="2400" b="1" spc="177">
+              <a:rPr lang="en-US" sz="2400" b="1" spc="177" dirty="0">
                 <a:solidFill>
                   <a:srgbClr val="000000"/>
                 </a:solidFill>
@@ -6217,7 +6217,7 @@
                 <a:cs typeface="Open Sans Bold"/>
                 <a:sym typeface="Open Sans Bold"/>
               </a:rPr>
-              <a:t>ONE CLICK SOLUTION</a:t>
+              <a:t>ONE CLICK SOLUTION FOR ANY COMPANY</a:t>
             </a:r>
           </a:p>
         </p:txBody>
